--- a/output.pptx
+++ b/output.pptx
@@ -8,6 +8,7 @@
     <p:sldId id="256" r:id="rId7"/>
     <p:sldId id="257" r:id="rId8"/>
     <p:sldId id="258" r:id="rId9"/>
+    <p:sldId id="259" r:id="rId10"/>
   </p:sldIdLst>
   <p:sldSz cx="9144000" cy="6858000" type="screen4x3"/>
   <p:notesSz cx="6858000" cy="9144000"/>
@@ -3137,8 +3138,8 @@
                 </a:solidFill>
                 <a:latin typeface="Calibri"/>
               </a:rPr>
-              <a:t>We are like Sandalwood, containing essence of knowledge inside 
-However the aroma of knowledge spreads, when we rub it through conversations, in presence of water 💦 of openness
+              <a:t>Good intentions without actions, is like 
+Soul without body, However pure it is, it can not bring any difference
 </a:t>
             </a:r>
           </a:p>
@@ -3209,9 +3210,8 @@
                 </a:solidFill>
                 <a:latin typeface="Calibri"/>
               </a:rPr>
-              <a:t>Putting a youngster in a team of much older people!!
-Can we really expect FRESH thinking to flourish??
-What if solving problems is left to youngsters, and older people play the coach
+              <a:t>We are like Sandalwood, containing essence of knowledge inside 
+However the aroma of knowledge spreads, when we rub it through conversations, in presence of water 💦 of openness
 </a:t>
             </a:r>
           </a:p>
@@ -3226,6 +3226,79 @@
 </file>
 
 <file path=ppt/slides/slide3.xml><?xml version="1.0" encoding="utf-8"?>
+<p:sld xmlns:a="http://schemas.openxmlformats.org/drawingml/2006/main" xmlns:p="http://schemas.openxmlformats.org/presentationml/2006/main" xmlns:r="http://schemas.openxmlformats.org/officeDocument/2006/relationships">
+  <p:cSld>
+    <p:spTree>
+      <p:nvGrpSpPr>
+        <p:cNvPr id="1" name=""/>
+        <p:cNvGrpSpPr/>
+        <p:nvPr/>
+      </p:nvGrpSpPr>
+      <p:grpSpPr/>
+      <p:sp>
+        <p:nvSpPr>
+          <p:cNvPr id="2" name="Rounded Rectangle 1"/>
+          <p:cNvSpPr/>
+          <p:nvPr/>
+        </p:nvSpPr>
+        <p:spPr>
+          <a:xfrm>
+            <a:off x="457200" y="365760"/>
+            <a:ext cx="8229600" cy="6035040"/>
+          </a:xfrm>
+          <a:prstGeom prst="roundRect">
+            <a:avLst/>
+          </a:prstGeom>
+          <a:solidFill>
+            <a:schemeClr val="accent5">
+              <a:lumMod val="75000"/>
+              <a:lumOff val="25000"/>
+            </a:schemeClr>
+          </a:solidFill>
+        </p:spPr>
+        <p:style>
+          <a:lnRef idx="1">
+            <a:schemeClr val="accent1"/>
+          </a:lnRef>
+          <a:fillRef idx="3">
+            <a:schemeClr val="accent1"/>
+          </a:fillRef>
+          <a:effectRef idx="2">
+            <a:schemeClr val="accent1"/>
+          </a:effectRef>
+          <a:fontRef idx="minor">
+            <a:schemeClr val="lt1"/>
+          </a:fontRef>
+        </p:style>
+        <p:txBody>
+          <a:bodyPr rtlCol="0" anchor="ctr"/>
+          <a:lstStyle/>
+          <a:p>
+            <a:pPr algn="ctr"/>
+            <a:r>
+              <a:rPr sz="2800" b="0">
+                <a:solidFill>
+                  <a:srgbClr val="000000"/>
+                </a:solidFill>
+                <a:latin typeface="Calibri"/>
+              </a:rPr>
+              <a:t>Putting a youngster in a team of much older people!!
+Can we really expect FRESH thinking to flourish??
+What if solving problems is left to youngsters, and older people play the coach
+</a:t>
+            </a:r>
+          </a:p>
+        </p:txBody>
+      </p:sp>
+    </p:spTree>
+  </p:cSld>
+  <p:clrMapOvr>
+    <a:masterClrMapping/>
+  </p:clrMapOvr>
+</p:sld>
+</file>
+
+<file path=ppt/slides/slide4.xml><?xml version="1.0" encoding="utf-8"?>
 <p:sld xmlns:a="http://schemas.openxmlformats.org/drawingml/2006/main" xmlns:p="http://schemas.openxmlformats.org/presentationml/2006/main" xmlns:r="http://schemas.openxmlformats.org/officeDocument/2006/relationships">
   <p:cSld>
     <p:spTree>
